--- a/week_2/notes.pptx
+++ b/week_2/notes.pptx
@@ -8,7 +8,9 @@
     <p:sldId id="256" r:id="rId2"/>
     <p:sldId id="257" r:id="rId3"/>
     <p:sldId id="259" r:id="rId4"/>
-    <p:sldId id="258" r:id="rId5"/>
+    <p:sldId id="260" r:id="rId5"/>
+    <p:sldId id="261" r:id="rId6"/>
+    <p:sldId id="258" r:id="rId7"/>
   </p:sldIdLst>
   <p:sldSz cx="12192000" cy="6858000"/>
   <p:notesSz cx="6858000" cy="9144000"/>
@@ -3850,6 +3852,96 @@
           <a:chExt cx="0" cy="0"/>
         </a:xfrm>
       </p:grpSpPr>
+      <p:pic>
+        <p:nvPicPr>
+          <p:cNvPr id="3" name="Picture 2">
+            <a:extLst>
+              <a:ext uri="{FF2B5EF4-FFF2-40B4-BE49-F238E27FC236}">
+                <a16:creationId xmlns:a16="http://schemas.microsoft.com/office/drawing/2014/main" id="{82396B76-9A18-EF8C-1738-7FC774F009DC}"/>
+              </a:ext>
+            </a:extLst>
+          </p:cNvPr>
+          <p:cNvPicPr>
+            <a:picLocks noChangeAspect="1"/>
+          </p:cNvPicPr>
+          <p:nvPr/>
+        </p:nvPicPr>
+        <p:blipFill>
+          <a:blip r:embed="rId2"/>
+          <a:stretch>
+            <a:fillRect/>
+          </a:stretch>
+        </p:blipFill>
+        <p:spPr>
+          <a:xfrm>
+            <a:off x="556324" y="214862"/>
+            <a:ext cx="10194533" cy="5491930"/>
+          </a:xfrm>
+          <a:prstGeom prst="rect">
+            <a:avLst/>
+          </a:prstGeom>
+        </p:spPr>
+      </p:pic>
+    </p:spTree>
+    <p:extLst>
+      <p:ext uri="{BB962C8B-B14F-4D97-AF65-F5344CB8AC3E}">
+        <p14:creationId xmlns:p14="http://schemas.microsoft.com/office/powerpoint/2010/main" val="2250218509"/>
+      </p:ext>
+    </p:extLst>
+  </p:cSld>
+  <p:clrMapOvr>
+    <a:masterClrMapping/>
+  </p:clrMapOvr>
+</p:sld>
+</file>
+
+<file path=ppt/slides/slide5.xml><?xml version="1.0" encoding="utf-8"?>
+<p:sld xmlns:a="http://schemas.openxmlformats.org/drawingml/2006/main" xmlns:r="http://schemas.openxmlformats.org/officeDocument/2006/relationships" xmlns:p="http://schemas.openxmlformats.org/presentationml/2006/main">
+  <p:cSld>
+    <p:spTree>
+      <p:nvGrpSpPr>
+        <p:cNvPr id="1" name=""/>
+        <p:cNvGrpSpPr/>
+        <p:nvPr/>
+      </p:nvGrpSpPr>
+      <p:grpSpPr>
+        <a:xfrm>
+          <a:off x="0" y="0"/>
+          <a:ext cx="0" cy="0"/>
+          <a:chOff x="0" y="0"/>
+          <a:chExt cx="0" cy="0"/>
+        </a:xfrm>
+      </p:grpSpPr>
+    </p:spTree>
+    <p:extLst>
+      <p:ext uri="{BB962C8B-B14F-4D97-AF65-F5344CB8AC3E}">
+        <p14:creationId xmlns:p14="http://schemas.microsoft.com/office/powerpoint/2010/main" val="3295890147"/>
+      </p:ext>
+    </p:extLst>
+  </p:cSld>
+  <p:clrMapOvr>
+    <a:masterClrMapping/>
+  </p:clrMapOvr>
+</p:sld>
+</file>
+
+<file path=ppt/slides/slide6.xml><?xml version="1.0" encoding="utf-8"?>
+<p:sld xmlns:a="http://schemas.openxmlformats.org/drawingml/2006/main" xmlns:r="http://schemas.openxmlformats.org/officeDocument/2006/relationships" xmlns:p="http://schemas.openxmlformats.org/presentationml/2006/main">
+  <p:cSld>
+    <p:spTree>
+      <p:nvGrpSpPr>
+        <p:cNvPr id="1" name=""/>
+        <p:cNvGrpSpPr/>
+        <p:nvPr/>
+      </p:nvGrpSpPr>
+      <p:grpSpPr>
+        <a:xfrm>
+          <a:off x="0" y="0"/>
+          <a:ext cx="0" cy="0"/>
+          <a:chOff x="0" y="0"/>
+          <a:chExt cx="0" cy="0"/>
+        </a:xfrm>
+      </p:grpSpPr>
       <p:sp>
         <p:nvSpPr>
           <p:cNvPr id="4" name="TextBox 3">

--- a/week_2/notes.pptx
+++ b/week_2/notes.pptx
@@ -109,6 +109,11 @@
       </a:defRPr>
     </a:lvl9pPr>
   </p:defaultTextStyle>
+  <p:extLst>
+    <p:ext uri="{EFAFB233-063F-42B5-8137-9DF3F51BA10A}">
+      <p15:sldGuideLst xmlns:p15="http://schemas.microsoft.com/office/powerpoint/2012/main"/>
+    </p:ext>
+  </p:extLst>
 </p:presentation>
 </file>
 
@@ -261,7 +266,7 @@
           <a:p>
             <a:fld id="{FE0D05E4-4442-4F7C-BF8A-7448ADBE6BDC}" type="datetimeFigureOut">
               <a:rPr lang="en-IN" smtClean="0"/>
-              <a:t>08-01-2023</a:t>
+              <a:t>15-01-2023</a:t>
             </a:fld>
             <a:endParaRPr lang="en-IN"/>
           </a:p>
@@ -461,7 +466,7 @@
           <a:p>
             <a:fld id="{FE0D05E4-4442-4F7C-BF8A-7448ADBE6BDC}" type="datetimeFigureOut">
               <a:rPr lang="en-IN" smtClean="0"/>
-              <a:t>08-01-2023</a:t>
+              <a:t>15-01-2023</a:t>
             </a:fld>
             <a:endParaRPr lang="en-IN"/>
           </a:p>
@@ -671,7 +676,7 @@
           <a:p>
             <a:fld id="{FE0D05E4-4442-4F7C-BF8A-7448ADBE6BDC}" type="datetimeFigureOut">
               <a:rPr lang="en-IN" smtClean="0"/>
-              <a:t>08-01-2023</a:t>
+              <a:t>15-01-2023</a:t>
             </a:fld>
             <a:endParaRPr lang="en-IN"/>
           </a:p>
@@ -871,7 +876,7 @@
           <a:p>
             <a:fld id="{FE0D05E4-4442-4F7C-BF8A-7448ADBE6BDC}" type="datetimeFigureOut">
               <a:rPr lang="en-IN" smtClean="0"/>
-              <a:t>08-01-2023</a:t>
+              <a:t>15-01-2023</a:t>
             </a:fld>
             <a:endParaRPr lang="en-IN"/>
           </a:p>
@@ -1071,7 +1076,7 @@
           <a:p>
             <a:fld id="{FE0D05E4-4442-4F7C-BF8A-7448ADBE6BDC}" type="datetimeFigureOut">
               <a:rPr lang="en-IN" smtClean="0"/>
-              <a:t>08-01-2023</a:t>
+              <a:t>15-01-2023</a:t>
             </a:fld>
             <a:endParaRPr lang="en-IN"/>
           </a:p>
@@ -1347,7 +1352,7 @@
           <a:p>
             <a:fld id="{FE0D05E4-4442-4F7C-BF8A-7448ADBE6BDC}" type="datetimeFigureOut">
               <a:rPr lang="en-IN" smtClean="0"/>
-              <a:t>08-01-2023</a:t>
+              <a:t>15-01-2023</a:t>
             </a:fld>
             <a:endParaRPr lang="en-IN"/>
           </a:p>
@@ -1615,7 +1620,7 @@
           <a:p>
             <a:fld id="{FE0D05E4-4442-4F7C-BF8A-7448ADBE6BDC}" type="datetimeFigureOut">
               <a:rPr lang="en-IN" smtClean="0"/>
-              <a:t>08-01-2023</a:t>
+              <a:t>15-01-2023</a:t>
             </a:fld>
             <a:endParaRPr lang="en-IN"/>
           </a:p>
@@ -2030,7 +2035,7 @@
           <a:p>
             <a:fld id="{FE0D05E4-4442-4F7C-BF8A-7448ADBE6BDC}" type="datetimeFigureOut">
               <a:rPr lang="en-IN" smtClean="0"/>
-              <a:t>08-01-2023</a:t>
+              <a:t>15-01-2023</a:t>
             </a:fld>
             <a:endParaRPr lang="en-IN"/>
           </a:p>
@@ -2172,7 +2177,7 @@
           <a:p>
             <a:fld id="{FE0D05E4-4442-4F7C-BF8A-7448ADBE6BDC}" type="datetimeFigureOut">
               <a:rPr lang="en-IN" smtClean="0"/>
-              <a:t>08-01-2023</a:t>
+              <a:t>15-01-2023</a:t>
             </a:fld>
             <a:endParaRPr lang="en-IN"/>
           </a:p>
@@ -2285,7 +2290,7 @@
           <a:p>
             <a:fld id="{FE0D05E4-4442-4F7C-BF8A-7448ADBE6BDC}" type="datetimeFigureOut">
               <a:rPr lang="en-IN" smtClean="0"/>
-              <a:t>08-01-2023</a:t>
+              <a:t>15-01-2023</a:t>
             </a:fld>
             <a:endParaRPr lang="en-IN"/>
           </a:p>
@@ -2598,7 +2603,7 @@
           <a:p>
             <a:fld id="{FE0D05E4-4442-4F7C-BF8A-7448ADBE6BDC}" type="datetimeFigureOut">
               <a:rPr lang="en-IN" smtClean="0"/>
-              <a:t>08-01-2023</a:t>
+              <a:t>15-01-2023</a:t>
             </a:fld>
             <a:endParaRPr lang="en-IN"/>
           </a:p>
@@ -2891,7 +2896,7 @@
           <a:p>
             <a:fld id="{FE0D05E4-4442-4F7C-BF8A-7448ADBE6BDC}" type="datetimeFigureOut">
               <a:rPr lang="en-IN" smtClean="0"/>
-              <a:t>08-01-2023</a:t>
+              <a:t>15-01-2023</a:t>
             </a:fld>
             <a:endParaRPr lang="en-IN"/>
           </a:p>
@@ -3134,7 +3139,7 @@
           <a:p>
             <a:fld id="{FE0D05E4-4442-4F7C-BF8A-7448ADBE6BDC}" type="datetimeFigureOut">
               <a:rPr lang="en-IN" smtClean="0"/>
-              <a:t>08-01-2023</a:t>
+              <a:t>15-01-2023</a:t>
             </a:fld>
             <a:endParaRPr lang="en-IN"/>
           </a:p>
@@ -3912,6 +3917,208 @@
           <a:chExt cx="0" cy="0"/>
         </a:xfrm>
       </p:grpSpPr>
+      <p:sp>
+        <p:nvSpPr>
+          <p:cNvPr id="3" name="TextBox 2">
+            <a:extLst>
+              <a:ext uri="{FF2B5EF4-FFF2-40B4-BE49-F238E27FC236}">
+                <a16:creationId xmlns:a16="http://schemas.microsoft.com/office/drawing/2014/main" id="{24C09F4A-2FEF-3CC7-1473-3E027CA493EA}"/>
+              </a:ext>
+            </a:extLst>
+          </p:cNvPr>
+          <p:cNvSpPr txBox="1"/>
+          <p:nvPr/>
+        </p:nvSpPr>
+        <p:spPr>
+          <a:xfrm>
+            <a:off x="889986" y="1165557"/>
+            <a:ext cx="6094520" cy="3139321"/>
+          </a:xfrm>
+          <a:prstGeom prst="rect">
+            <a:avLst/>
+          </a:prstGeom>
+          <a:noFill/>
+        </p:spPr>
+        <p:txBody>
+          <a:bodyPr wrap="square">
+            <a:spAutoFit/>
+          </a:bodyPr>
+          <a:lstStyle/>
+          <a:p>
+            <a:pPr algn="l">
+              <a:buFont typeface="Arial" panose="020B0604020202020204" pitchFamily="34" charset="0"/>
+              <a:buChar char="•"/>
+            </a:pPr>
+            <a:r>
+              <a:rPr lang="en-US" b="1" i="0" dirty="0">
+                <a:effectLst/>
+                <a:latin typeface="Helvetica Neue"/>
+              </a:rPr>
+              <a:t>What you need to remember:</a:t>
+            </a:r>
+          </a:p>
+          <a:p>
+            <a:pPr algn="l"/>
+            <a:endParaRPr lang="en-US" b="1" i="0" dirty="0">
+              <a:effectLst/>
+              <a:latin typeface="Helvetica Neue"/>
+            </a:endParaRPr>
+          </a:p>
+          <a:p>
+            <a:pPr algn="l">
+              <a:buFont typeface="Arial" panose="020B0604020202020204" pitchFamily="34" charset="0"/>
+              <a:buChar char="•"/>
+            </a:pPr>
+            <a:r>
+              <a:rPr lang="en-US" b="0" i="0" dirty="0" err="1">
+                <a:effectLst/>
+                <a:latin typeface="Helvetica Neue"/>
+              </a:rPr>
+              <a:t>np.exp</a:t>
+            </a:r>
+            <a:r>
+              <a:rPr lang="en-US" b="0" i="0" dirty="0">
+                <a:effectLst/>
+                <a:latin typeface="Helvetica Neue"/>
+              </a:rPr>
+              <a:t>(x) works for any </a:t>
+            </a:r>
+            <a:r>
+              <a:rPr lang="en-US" b="0" i="0" dirty="0" err="1">
+                <a:effectLst/>
+                <a:latin typeface="Helvetica Neue"/>
+              </a:rPr>
+              <a:t>np.array</a:t>
+            </a:r>
+            <a:r>
+              <a:rPr lang="en-US" b="0" i="0" dirty="0">
+                <a:effectLst/>
+                <a:latin typeface="Helvetica Neue"/>
+              </a:rPr>
+              <a:t> x and applies the exponential function to every coordinate</a:t>
+            </a:r>
+          </a:p>
+          <a:p>
+            <a:pPr algn="l">
+              <a:buFont typeface="Arial" panose="020B0604020202020204" pitchFamily="34" charset="0"/>
+              <a:buChar char="•"/>
+            </a:pPr>
+            <a:r>
+              <a:rPr lang="en-US" b="0" i="0" dirty="0">
+                <a:effectLst/>
+                <a:latin typeface="Helvetica Neue"/>
+              </a:rPr>
+              <a:t>the sigmoid function and its gradient</a:t>
+            </a:r>
+          </a:p>
+          <a:p>
+            <a:pPr algn="l">
+              <a:buFont typeface="Arial" panose="020B0604020202020204" pitchFamily="34" charset="0"/>
+              <a:buChar char="•"/>
+            </a:pPr>
+            <a:r>
+              <a:rPr lang="en-US" b="0" i="0" dirty="0">
+                <a:effectLst/>
+                <a:latin typeface="Helvetica Neue"/>
+              </a:rPr>
+              <a:t>image2vector is commonly used in deep learning</a:t>
+            </a:r>
+          </a:p>
+          <a:p>
+            <a:pPr algn="l">
+              <a:buFont typeface="Arial" panose="020B0604020202020204" pitchFamily="34" charset="0"/>
+              <a:buChar char="•"/>
+            </a:pPr>
+            <a:r>
+              <a:rPr lang="en-US" b="0" i="0" dirty="0" err="1">
+                <a:effectLst/>
+                <a:latin typeface="Helvetica Neue"/>
+              </a:rPr>
+              <a:t>np.reshape</a:t>
+            </a:r>
+            <a:r>
+              <a:rPr lang="en-US" b="0" i="0" dirty="0">
+                <a:effectLst/>
+                <a:latin typeface="Helvetica Neue"/>
+              </a:rPr>
+              <a:t> is widely used. In the future, you'll see that keeping your matrix/vector dimensions straight will go toward eliminating a lot of bugs.</a:t>
+            </a:r>
+          </a:p>
+          <a:p>
+            <a:pPr algn="l">
+              <a:buFont typeface="Arial" panose="020B0604020202020204" pitchFamily="34" charset="0"/>
+              <a:buChar char="•"/>
+            </a:pPr>
+            <a:r>
+              <a:rPr lang="en-US" b="0" i="0" dirty="0" err="1">
+                <a:effectLst/>
+                <a:latin typeface="Helvetica Neue"/>
+              </a:rPr>
+              <a:t>numpy</a:t>
+            </a:r>
+            <a:r>
+              <a:rPr lang="en-US" b="0" i="0" dirty="0">
+                <a:effectLst/>
+                <a:latin typeface="Helvetica Neue"/>
+              </a:rPr>
+              <a:t> has efficient built-in functions</a:t>
+            </a:r>
+          </a:p>
+          <a:p>
+            <a:pPr algn="l">
+              <a:buFont typeface="Arial" panose="020B0604020202020204" pitchFamily="34" charset="0"/>
+              <a:buChar char="•"/>
+            </a:pPr>
+            <a:r>
+              <a:rPr lang="en-US" b="0" i="0" dirty="0">
+                <a:effectLst/>
+                <a:latin typeface="Helvetica Neue"/>
+              </a:rPr>
+              <a:t>broadcasting is extremely useful</a:t>
+            </a:r>
+          </a:p>
+        </p:txBody>
+      </p:sp>
+      <p:sp>
+        <p:nvSpPr>
+          <p:cNvPr id="4" name="TextBox 3">
+            <a:extLst>
+              <a:ext uri="{FF2B5EF4-FFF2-40B4-BE49-F238E27FC236}">
+                <a16:creationId xmlns:a16="http://schemas.microsoft.com/office/drawing/2014/main" id="{B1A4535E-2836-0991-6B1F-5EF9C0909115}"/>
+              </a:ext>
+            </a:extLst>
+          </p:cNvPr>
+          <p:cNvSpPr txBox="1"/>
+          <p:nvPr/>
+        </p:nvSpPr>
+        <p:spPr>
+          <a:xfrm>
+            <a:off x="1003177" y="674703"/>
+            <a:ext cx="6094520" cy="369332"/>
+          </a:xfrm>
+          <a:prstGeom prst="rect">
+            <a:avLst/>
+          </a:prstGeom>
+          <a:noFill/>
+        </p:spPr>
+        <p:txBody>
+          <a:bodyPr wrap="square" rtlCol="0">
+            <a:spAutoFit/>
+          </a:bodyPr>
+          <a:lstStyle/>
+          <a:p>
+            <a:r>
+              <a:rPr lang="en-IN" dirty="0"/>
+              <a:t>Implementation of function using the </a:t>
+            </a:r>
+            <a:r>
+              <a:rPr lang="en-IN" dirty="0" err="1"/>
+              <a:t>numpy</a:t>
+            </a:r>
+            <a:endParaRPr lang="en-IN" dirty="0"/>
+          </a:p>
+        </p:txBody>
+      </p:sp>
     </p:spTree>
     <p:extLst>
       <p:ext uri="{BB962C8B-B14F-4D97-AF65-F5344CB8AC3E}">

--- a/week_2/notes.pptx
+++ b/week_2/notes.pptx
@@ -3931,7 +3931,7 @@
         </p:nvSpPr>
         <p:spPr>
           <a:xfrm>
-            <a:off x="889986" y="1165557"/>
+            <a:off x="889986" y="1054886"/>
             <a:ext cx="6094520" cy="3139321"/>
           </a:xfrm>
           <a:prstGeom prst="rect">
@@ -4093,7 +4093,187 @@
         </p:nvSpPr>
         <p:spPr>
           <a:xfrm>
-            <a:off x="1003177" y="674703"/>
+            <a:off x="889986" y="4215622"/>
+            <a:ext cx="6094520" cy="369332"/>
+          </a:xfrm>
+          <a:prstGeom prst="rect">
+            <a:avLst/>
+          </a:prstGeom>
+          <a:noFill/>
+        </p:spPr>
+        <p:txBody>
+          <a:bodyPr wrap="square" rtlCol="0">
+            <a:spAutoFit/>
+          </a:bodyPr>
+          <a:lstStyle/>
+          <a:p>
+            <a:r>
+              <a:rPr lang="en-IN" dirty="0"/>
+              <a:t>Vectorization</a:t>
+            </a:r>
+          </a:p>
+        </p:txBody>
+      </p:sp>
+      <p:sp>
+        <p:nvSpPr>
+          <p:cNvPr id="6" name="TextBox 5">
+            <a:extLst>
+              <a:ext uri="{FF2B5EF4-FFF2-40B4-BE49-F238E27FC236}">
+                <a16:creationId xmlns:a16="http://schemas.microsoft.com/office/drawing/2014/main" id="{98E30CFE-E6E5-696E-F5D0-20EDF7D2AFE8}"/>
+              </a:ext>
+            </a:extLst>
+          </p:cNvPr>
+          <p:cNvSpPr txBox="1"/>
+          <p:nvPr/>
+        </p:nvSpPr>
+        <p:spPr>
+          <a:xfrm>
+            <a:off x="889986" y="4746841"/>
+            <a:ext cx="6094520" cy="1754326"/>
+          </a:xfrm>
+          <a:prstGeom prst="rect">
+            <a:avLst/>
+          </a:prstGeom>
+          <a:noFill/>
+        </p:spPr>
+        <p:txBody>
+          <a:bodyPr wrap="square">
+            <a:spAutoFit/>
+          </a:bodyPr>
+          <a:lstStyle/>
+          <a:p>
+            <a:pPr algn="l">
+              <a:buFont typeface="Arial" panose="020B0604020202020204" pitchFamily="34" charset="0"/>
+              <a:buChar char="•"/>
+            </a:pPr>
+            <a:r>
+              <a:rPr lang="en-US" b="1" i="0" dirty="0">
+                <a:effectLst/>
+                <a:latin typeface="Helvetica Neue"/>
+              </a:rPr>
+              <a:t>What to </a:t>
+            </a:r>
+            <a:r>
+              <a:rPr lang="en-US" b="1" i="0" dirty="0" err="1">
+                <a:effectLst/>
+                <a:latin typeface="Helvetica Neue"/>
+              </a:rPr>
+              <a:t>remember:</a:t>
+            </a:r>
+            <a:r>
+              <a:rPr lang="en-US" b="0" i="0" dirty="0" err="1">
+                <a:effectLst/>
+                <a:latin typeface="Helvetica Neue"/>
+              </a:rPr>
+              <a:t>Vectorization</a:t>
+            </a:r>
+            <a:r>
+              <a:rPr lang="en-US" b="0" i="0" dirty="0">
+                <a:effectLst/>
+                <a:latin typeface="Helvetica Neue"/>
+              </a:rPr>
+              <a:t> is very important in deep learning. It provides computational efficiency and clarity.</a:t>
+            </a:r>
+          </a:p>
+          <a:p>
+            <a:pPr algn="l">
+              <a:buFont typeface="Arial" panose="020B0604020202020204" pitchFamily="34" charset="0"/>
+              <a:buChar char="•"/>
+            </a:pPr>
+            <a:r>
+              <a:rPr lang="en-US" b="0" i="0" dirty="0">
+                <a:effectLst/>
+                <a:latin typeface="Helvetica Neue"/>
+              </a:rPr>
+              <a:t>You have reviewed the L1 and L2 loss.</a:t>
+            </a:r>
+          </a:p>
+          <a:p>
+            <a:pPr algn="l">
+              <a:buFont typeface="Arial" panose="020B0604020202020204" pitchFamily="34" charset="0"/>
+              <a:buChar char="•"/>
+            </a:pPr>
+            <a:r>
+              <a:rPr lang="en-US" b="0" i="0" dirty="0">
+                <a:effectLst/>
+                <a:latin typeface="Helvetica Neue"/>
+              </a:rPr>
+              <a:t>You are familiar with many </a:t>
+            </a:r>
+            <a:r>
+              <a:rPr lang="en-US" b="0" i="0" dirty="0" err="1">
+                <a:effectLst/>
+                <a:latin typeface="Helvetica Neue"/>
+              </a:rPr>
+              <a:t>numpy</a:t>
+            </a:r>
+            <a:r>
+              <a:rPr lang="en-US" b="0" i="0" dirty="0">
+                <a:effectLst/>
+                <a:latin typeface="Helvetica Neue"/>
+              </a:rPr>
+              <a:t> functions such as </a:t>
+            </a:r>
+            <a:r>
+              <a:rPr lang="en-US" b="0" i="0" dirty="0" err="1">
+                <a:effectLst/>
+                <a:latin typeface="Helvetica Neue"/>
+              </a:rPr>
+              <a:t>np.sum</a:t>
+            </a:r>
+            <a:r>
+              <a:rPr lang="en-US" b="0" i="0" dirty="0">
+                <a:effectLst/>
+                <a:latin typeface="Helvetica Neue"/>
+              </a:rPr>
+              <a:t>, np.dot, </a:t>
+            </a:r>
+            <a:r>
+              <a:rPr lang="en-US" b="0" i="0" dirty="0" err="1">
+                <a:effectLst/>
+                <a:latin typeface="Helvetica Neue"/>
+              </a:rPr>
+              <a:t>np.multiply</a:t>
+            </a:r>
+            <a:r>
+              <a:rPr lang="en-US" b="0" i="0" dirty="0">
+                <a:effectLst/>
+                <a:latin typeface="Helvetica Neue"/>
+              </a:rPr>
+              <a:t>, </a:t>
+            </a:r>
+            <a:r>
+              <a:rPr lang="en-US" b="0" i="0" dirty="0" err="1">
+                <a:effectLst/>
+                <a:latin typeface="Helvetica Neue"/>
+              </a:rPr>
+              <a:t>np.maximum</a:t>
+            </a:r>
+            <a:r>
+              <a:rPr lang="en-US" b="0" i="0" dirty="0">
+                <a:effectLst/>
+                <a:latin typeface="Helvetica Neue"/>
+              </a:rPr>
+              <a:t>, etc...</a:t>
+            </a:r>
+          </a:p>
+        </p:txBody>
+      </p:sp>
+      <p:sp>
+        <p:nvSpPr>
+          <p:cNvPr id="7" name="TextBox 6">
+            <a:extLst>
+              <a:ext uri="{FF2B5EF4-FFF2-40B4-BE49-F238E27FC236}">
+                <a16:creationId xmlns:a16="http://schemas.microsoft.com/office/drawing/2014/main" id="{3ED130C8-D35B-8344-7A0B-765EC0E81B54}"/>
+              </a:ext>
+            </a:extLst>
+          </p:cNvPr>
+          <p:cNvSpPr txBox="1"/>
+          <p:nvPr/>
+        </p:nvSpPr>
+        <p:spPr>
+          <a:xfrm>
+            <a:off x="960268" y="674703"/>
             <a:ext cx="6094520" cy="369332"/>
           </a:xfrm>
           <a:prstGeom prst="rect">

--- a/week_2/notes.pptx
+++ b/week_2/notes.pptx
@@ -10,7 +10,10 @@
     <p:sldId id="259" r:id="rId4"/>
     <p:sldId id="260" r:id="rId5"/>
     <p:sldId id="261" r:id="rId6"/>
-    <p:sldId id="258" r:id="rId7"/>
+    <p:sldId id="262" r:id="rId7"/>
+    <p:sldId id="263" r:id="rId8"/>
+    <p:sldId id="264" r:id="rId9"/>
+    <p:sldId id="258" r:id="rId10"/>
   </p:sldIdLst>
   <p:sldSz cx="12192000" cy="6858000"/>
   <p:notesSz cx="6858000" cy="9144000"/>
@@ -4331,6 +4334,512 @@
       </p:grpSpPr>
       <p:sp>
         <p:nvSpPr>
+          <p:cNvPr id="3" name="TextBox 2">
+            <a:extLst>
+              <a:ext uri="{FF2B5EF4-FFF2-40B4-BE49-F238E27FC236}">
+                <a16:creationId xmlns:a16="http://schemas.microsoft.com/office/drawing/2014/main" id="{F6A73950-CDE5-4FEF-823A-0AD7E1A2DB04}"/>
+              </a:ext>
+            </a:extLst>
+          </p:cNvPr>
+          <p:cNvSpPr txBox="1"/>
+          <p:nvPr/>
+        </p:nvSpPr>
+        <p:spPr>
+          <a:xfrm>
+            <a:off x="472736" y="391448"/>
+            <a:ext cx="6094520" cy="2031325"/>
+          </a:xfrm>
+          <a:prstGeom prst="rect">
+            <a:avLst/>
+          </a:prstGeom>
+          <a:noFill/>
+        </p:spPr>
+        <p:txBody>
+          <a:bodyPr wrap="square">
+            <a:spAutoFit/>
+          </a:bodyPr>
+          <a:lstStyle/>
+          <a:p>
+            <a:pPr algn="l"/>
+            <a:r>
+              <a:rPr lang="en-US" b="1" i="0" dirty="0">
+                <a:effectLst/>
+                <a:latin typeface="Helvetica Neue"/>
+              </a:rPr>
+              <a:t>What you need to remember:</a:t>
+            </a:r>
+            <a:endParaRPr lang="en-US" b="0" i="0" dirty="0">
+              <a:effectLst/>
+              <a:latin typeface="Helvetica Neue"/>
+            </a:endParaRPr>
+          </a:p>
+          <a:p>
+            <a:pPr algn="l"/>
+            <a:r>
+              <a:rPr lang="en-US" b="0" i="0" dirty="0">
+                <a:effectLst/>
+                <a:latin typeface="Helvetica Neue"/>
+              </a:rPr>
+              <a:t>Common steps for pre-processing a new dataset are:</a:t>
+            </a:r>
+          </a:p>
+          <a:p>
+            <a:pPr algn="l">
+              <a:buFont typeface="Arial" panose="020B0604020202020204" pitchFamily="34" charset="0"/>
+              <a:buChar char="•"/>
+            </a:pPr>
+            <a:r>
+              <a:rPr lang="en-US" b="0" i="0" dirty="0">
+                <a:effectLst/>
+                <a:latin typeface="Helvetica Neue"/>
+              </a:rPr>
+              <a:t>Figure out the dimensions and shapes of the problem (</a:t>
+            </a:r>
+            <a:r>
+              <a:rPr lang="en-US" b="0" i="0" dirty="0" err="1">
+                <a:effectLst/>
+                <a:latin typeface="Helvetica Neue"/>
+              </a:rPr>
+              <a:t>m_train</a:t>
+            </a:r>
+            <a:r>
+              <a:rPr lang="en-US" b="0" i="0" dirty="0">
+                <a:effectLst/>
+                <a:latin typeface="Helvetica Neue"/>
+              </a:rPr>
+              <a:t>, </a:t>
+            </a:r>
+            <a:r>
+              <a:rPr lang="en-US" b="0" i="0" dirty="0" err="1">
+                <a:effectLst/>
+                <a:latin typeface="Helvetica Neue"/>
+              </a:rPr>
+              <a:t>m_test</a:t>
+            </a:r>
+            <a:r>
+              <a:rPr lang="en-US" b="0" i="0" dirty="0">
+                <a:effectLst/>
+                <a:latin typeface="Helvetica Neue"/>
+              </a:rPr>
+              <a:t>, </a:t>
+            </a:r>
+            <a:r>
+              <a:rPr lang="en-US" b="0" i="0" dirty="0" err="1">
+                <a:effectLst/>
+                <a:latin typeface="Helvetica Neue"/>
+              </a:rPr>
+              <a:t>num_px</a:t>
+            </a:r>
+            <a:r>
+              <a:rPr lang="en-US" b="0" i="0" dirty="0">
+                <a:effectLst/>
+                <a:latin typeface="Helvetica Neue"/>
+              </a:rPr>
+              <a:t>, ...)</a:t>
+            </a:r>
+          </a:p>
+          <a:p>
+            <a:pPr algn="l">
+              <a:buFont typeface="Arial" panose="020B0604020202020204" pitchFamily="34" charset="0"/>
+              <a:buChar char="•"/>
+            </a:pPr>
+            <a:r>
+              <a:rPr lang="en-US" b="0" i="0" dirty="0">
+                <a:effectLst/>
+                <a:latin typeface="Helvetica Neue"/>
+              </a:rPr>
+              <a:t>Reshape the datasets such that each example is now a vector of size (</a:t>
+            </a:r>
+            <a:r>
+              <a:rPr lang="en-US" b="0" i="0" dirty="0" err="1">
+                <a:effectLst/>
+                <a:latin typeface="Helvetica Neue"/>
+              </a:rPr>
+              <a:t>num_px</a:t>
+            </a:r>
+            <a:r>
+              <a:rPr lang="en-US" b="0" i="0" dirty="0">
+                <a:effectLst/>
+                <a:latin typeface="Helvetica Neue"/>
+              </a:rPr>
+              <a:t> * </a:t>
+            </a:r>
+            <a:r>
+              <a:rPr lang="en-US" b="0" i="0" dirty="0" err="1">
+                <a:effectLst/>
+                <a:latin typeface="Helvetica Neue"/>
+              </a:rPr>
+              <a:t>num_px</a:t>
+            </a:r>
+            <a:r>
+              <a:rPr lang="en-US" b="0" i="0" dirty="0">
+                <a:effectLst/>
+                <a:latin typeface="Helvetica Neue"/>
+              </a:rPr>
+              <a:t> * 3, 1)</a:t>
+            </a:r>
+          </a:p>
+          <a:p>
+            <a:pPr algn="l">
+              <a:buFont typeface="Arial" panose="020B0604020202020204" pitchFamily="34" charset="0"/>
+              <a:buChar char="•"/>
+            </a:pPr>
+            <a:r>
+              <a:rPr lang="en-US" b="0" i="0" dirty="0">
+                <a:effectLst/>
+                <a:latin typeface="Helvetica Neue"/>
+              </a:rPr>
+              <a:t>"Standardize" the data</a:t>
+            </a:r>
+          </a:p>
+        </p:txBody>
+      </p:sp>
+      <p:pic>
+        <p:nvPicPr>
+          <p:cNvPr id="5" name="Picture 4">
+            <a:extLst>
+              <a:ext uri="{FF2B5EF4-FFF2-40B4-BE49-F238E27FC236}">
+                <a16:creationId xmlns:a16="http://schemas.microsoft.com/office/drawing/2014/main" id="{3B69D8A2-A74D-812A-B26C-3E745D616F68}"/>
+              </a:ext>
+            </a:extLst>
+          </p:cNvPr>
+          <p:cNvPicPr>
+            <a:picLocks noChangeAspect="1"/>
+          </p:cNvPicPr>
+          <p:nvPr/>
+        </p:nvPicPr>
+        <p:blipFill>
+          <a:blip r:embed="rId2"/>
+          <a:stretch>
+            <a:fillRect/>
+          </a:stretch>
+        </p:blipFill>
+        <p:spPr>
+          <a:xfrm>
+            <a:off x="195621" y="2422773"/>
+            <a:ext cx="7510196" cy="4009488"/>
+          </a:xfrm>
+          <a:prstGeom prst="rect">
+            <a:avLst/>
+          </a:prstGeom>
+        </p:spPr>
+      </p:pic>
+    </p:spTree>
+    <p:extLst>
+      <p:ext uri="{BB962C8B-B14F-4D97-AF65-F5344CB8AC3E}">
+        <p14:creationId xmlns:p14="http://schemas.microsoft.com/office/powerpoint/2010/main" val="2993903727"/>
+      </p:ext>
+    </p:extLst>
+  </p:cSld>
+  <p:clrMapOvr>
+    <a:masterClrMapping/>
+  </p:clrMapOvr>
+</p:sld>
+</file>
+
+<file path=ppt/slides/slide7.xml><?xml version="1.0" encoding="utf-8"?>
+<p:sld xmlns:a="http://schemas.openxmlformats.org/drawingml/2006/main" xmlns:r="http://schemas.openxmlformats.org/officeDocument/2006/relationships" xmlns:p="http://schemas.openxmlformats.org/presentationml/2006/main">
+  <p:cSld>
+    <p:spTree>
+      <p:nvGrpSpPr>
+        <p:cNvPr id="1" name=""/>
+        <p:cNvGrpSpPr/>
+        <p:nvPr/>
+      </p:nvGrpSpPr>
+      <p:grpSpPr>
+        <a:xfrm>
+          <a:off x="0" y="0"/>
+          <a:ext cx="0" cy="0"/>
+          <a:chOff x="0" y="0"/>
+          <a:chExt cx="0" cy="0"/>
+        </a:xfrm>
+      </p:grpSpPr>
+      <p:pic>
+        <p:nvPicPr>
+          <p:cNvPr id="3" name="Picture 2">
+            <a:extLst>
+              <a:ext uri="{FF2B5EF4-FFF2-40B4-BE49-F238E27FC236}">
+                <a16:creationId xmlns:a16="http://schemas.microsoft.com/office/drawing/2014/main" id="{3C96421C-32AC-73A8-6D91-CDDC35C98418}"/>
+              </a:ext>
+            </a:extLst>
+          </p:cNvPr>
+          <p:cNvPicPr>
+            <a:picLocks noChangeAspect="1"/>
+          </p:cNvPicPr>
+          <p:nvPr/>
+        </p:nvPicPr>
+        <p:blipFill>
+          <a:blip r:embed="rId2"/>
+          <a:stretch>
+            <a:fillRect/>
+          </a:stretch>
+        </p:blipFill>
+        <p:spPr>
+          <a:xfrm>
+            <a:off x="658073" y="768815"/>
+            <a:ext cx="6449325" cy="1600423"/>
+          </a:xfrm>
+          <a:prstGeom prst="rect">
+            <a:avLst/>
+          </a:prstGeom>
+        </p:spPr>
+      </p:pic>
+      <p:sp>
+        <p:nvSpPr>
+          <p:cNvPr id="5" name="TextBox 4">
+            <a:extLst>
+              <a:ext uri="{FF2B5EF4-FFF2-40B4-BE49-F238E27FC236}">
+                <a16:creationId xmlns:a16="http://schemas.microsoft.com/office/drawing/2014/main" id="{37E71434-305C-33A2-8D6E-736B5765AFB5}"/>
+              </a:ext>
+            </a:extLst>
+          </p:cNvPr>
+          <p:cNvSpPr txBox="1"/>
+          <p:nvPr/>
+        </p:nvSpPr>
+        <p:spPr>
+          <a:xfrm>
+            <a:off x="716973" y="399483"/>
+            <a:ext cx="6449325" cy="646331"/>
+          </a:xfrm>
+          <a:prstGeom prst="rect">
+            <a:avLst/>
+          </a:prstGeom>
+          <a:noFill/>
+        </p:spPr>
+        <p:txBody>
+          <a:bodyPr wrap="square" rtlCol="0">
+            <a:spAutoFit/>
+          </a:bodyPr>
+          <a:lstStyle/>
+          <a:p>
+            <a:r>
+              <a:rPr lang="en-US" b="1" i="0" dirty="0">
+                <a:solidFill>
+                  <a:srgbClr val="000000"/>
+                </a:solidFill>
+                <a:effectLst/>
+                <a:latin typeface="Helvetica Neue"/>
+              </a:rPr>
+              <a:t>Logistic Regression with a Neural Network mindset</a:t>
+            </a:r>
+          </a:p>
+          <a:p>
+            <a:endParaRPr lang="en-IN" dirty="0"/>
+          </a:p>
+        </p:txBody>
+      </p:sp>
+      <p:pic>
+        <p:nvPicPr>
+          <p:cNvPr id="7" name="Picture 6">
+            <a:extLst>
+              <a:ext uri="{FF2B5EF4-FFF2-40B4-BE49-F238E27FC236}">
+                <a16:creationId xmlns:a16="http://schemas.microsoft.com/office/drawing/2014/main" id="{5974AAF4-6FCA-E772-5BF1-EC8C36084283}"/>
+              </a:ext>
+            </a:extLst>
+          </p:cNvPr>
+          <p:cNvPicPr>
+            <a:picLocks noChangeAspect="1"/>
+          </p:cNvPicPr>
+          <p:nvPr/>
+        </p:nvPicPr>
+        <p:blipFill>
+          <a:blip r:embed="rId3"/>
+          <a:stretch>
+            <a:fillRect/>
+          </a:stretch>
+        </p:blipFill>
+        <p:spPr>
+          <a:xfrm>
+            <a:off x="546648" y="2369238"/>
+            <a:ext cx="8688012" cy="1543265"/>
+          </a:xfrm>
+          <a:prstGeom prst="rect">
+            <a:avLst/>
+          </a:prstGeom>
+        </p:spPr>
+      </p:pic>
+      <p:pic>
+        <p:nvPicPr>
+          <p:cNvPr id="9" name="Picture 8">
+            <a:extLst>
+              <a:ext uri="{FF2B5EF4-FFF2-40B4-BE49-F238E27FC236}">
+                <a16:creationId xmlns:a16="http://schemas.microsoft.com/office/drawing/2014/main" id="{301FADC7-531B-DC02-EC05-B360A9F90671}"/>
+              </a:ext>
+            </a:extLst>
+          </p:cNvPr>
+          <p:cNvPicPr>
+            <a:picLocks noChangeAspect="1"/>
+          </p:cNvPicPr>
+          <p:nvPr/>
+        </p:nvPicPr>
+        <p:blipFill>
+          <a:blip r:embed="rId4"/>
+          <a:stretch>
+            <a:fillRect/>
+          </a:stretch>
+        </p:blipFill>
+        <p:spPr>
+          <a:xfrm>
+            <a:off x="696178" y="3712408"/>
+            <a:ext cx="6411220" cy="1600423"/>
+          </a:xfrm>
+          <a:prstGeom prst="rect">
+            <a:avLst/>
+          </a:prstGeom>
+        </p:spPr>
+      </p:pic>
+      <p:pic>
+        <p:nvPicPr>
+          <p:cNvPr id="11" name="Picture 10">
+            <a:extLst>
+              <a:ext uri="{FF2B5EF4-FFF2-40B4-BE49-F238E27FC236}">
+                <a16:creationId xmlns:a16="http://schemas.microsoft.com/office/drawing/2014/main" id="{2B9B2355-9768-1ADF-E240-DD6E5EBF0D7B}"/>
+              </a:ext>
+            </a:extLst>
+          </p:cNvPr>
+          <p:cNvPicPr>
+            <a:picLocks noChangeAspect="1"/>
+          </p:cNvPicPr>
+          <p:nvPr/>
+        </p:nvPicPr>
+        <p:blipFill>
+          <a:blip r:embed="rId5"/>
+          <a:stretch>
+            <a:fillRect/>
+          </a:stretch>
+        </p:blipFill>
+        <p:spPr>
+          <a:xfrm>
+            <a:off x="658073" y="4703103"/>
+            <a:ext cx="5372850" cy="1952898"/>
+          </a:xfrm>
+          <a:prstGeom prst="rect">
+            <a:avLst/>
+          </a:prstGeom>
+        </p:spPr>
+      </p:pic>
+    </p:spTree>
+    <p:extLst>
+      <p:ext uri="{BB962C8B-B14F-4D97-AF65-F5344CB8AC3E}">
+        <p14:creationId xmlns:p14="http://schemas.microsoft.com/office/powerpoint/2010/main" val="3270542236"/>
+      </p:ext>
+    </p:extLst>
+  </p:cSld>
+  <p:clrMapOvr>
+    <a:masterClrMapping/>
+  </p:clrMapOvr>
+</p:sld>
+</file>
+
+<file path=ppt/slides/slide8.xml><?xml version="1.0" encoding="utf-8"?>
+<p:sld xmlns:a="http://schemas.openxmlformats.org/drawingml/2006/main" xmlns:r="http://schemas.openxmlformats.org/officeDocument/2006/relationships" xmlns:p="http://schemas.openxmlformats.org/presentationml/2006/main">
+  <p:cSld>
+    <p:spTree>
+      <p:nvGrpSpPr>
+        <p:cNvPr id="1" name=""/>
+        <p:cNvGrpSpPr/>
+        <p:nvPr/>
+      </p:nvGrpSpPr>
+      <p:grpSpPr>
+        <a:xfrm>
+          <a:off x="0" y="0"/>
+          <a:ext cx="0" cy="0"/>
+          <a:chOff x="0" y="0"/>
+          <a:chExt cx="0" cy="0"/>
+        </a:xfrm>
+      </p:grpSpPr>
+      <p:pic>
+        <p:nvPicPr>
+          <p:cNvPr id="3" name="Picture 2">
+            <a:extLst>
+              <a:ext uri="{FF2B5EF4-FFF2-40B4-BE49-F238E27FC236}">
+                <a16:creationId xmlns:a16="http://schemas.microsoft.com/office/drawing/2014/main" id="{071E5C2E-00EF-5776-D0FB-188C1FB1B124}"/>
+              </a:ext>
+            </a:extLst>
+          </p:cNvPr>
+          <p:cNvPicPr>
+            <a:picLocks noChangeAspect="1"/>
+          </p:cNvPicPr>
+          <p:nvPr/>
+        </p:nvPicPr>
+        <p:blipFill>
+          <a:blip r:embed="rId2"/>
+          <a:stretch>
+            <a:fillRect/>
+          </a:stretch>
+        </p:blipFill>
+        <p:spPr>
+          <a:xfrm>
+            <a:off x="91570" y="338418"/>
+            <a:ext cx="9307224" cy="2191056"/>
+          </a:xfrm>
+          <a:prstGeom prst="rect">
+            <a:avLst/>
+          </a:prstGeom>
+        </p:spPr>
+      </p:pic>
+      <p:pic>
+        <p:nvPicPr>
+          <p:cNvPr id="5" name="Picture 4">
+            <a:extLst>
+              <a:ext uri="{FF2B5EF4-FFF2-40B4-BE49-F238E27FC236}">
+                <a16:creationId xmlns:a16="http://schemas.microsoft.com/office/drawing/2014/main" id="{7E75494F-B4EA-36D3-A991-1F8282E167EF}"/>
+              </a:ext>
+            </a:extLst>
+          </p:cNvPr>
+          <p:cNvPicPr>
+            <a:picLocks noChangeAspect="1"/>
+          </p:cNvPicPr>
+          <p:nvPr/>
+        </p:nvPicPr>
+        <p:blipFill>
+          <a:blip r:embed="rId3"/>
+          <a:stretch>
+            <a:fillRect/>
+          </a:stretch>
+        </p:blipFill>
+        <p:spPr>
+          <a:xfrm>
+            <a:off x="221416" y="2529474"/>
+            <a:ext cx="9878804" cy="1486107"/>
+          </a:xfrm>
+          <a:prstGeom prst="rect">
+            <a:avLst/>
+          </a:prstGeom>
+        </p:spPr>
+      </p:pic>
+    </p:spTree>
+    <p:extLst>
+      <p:ext uri="{BB962C8B-B14F-4D97-AF65-F5344CB8AC3E}">
+        <p14:creationId xmlns:p14="http://schemas.microsoft.com/office/powerpoint/2010/main" val="1574001040"/>
+      </p:ext>
+    </p:extLst>
+  </p:cSld>
+  <p:clrMapOvr>
+    <a:masterClrMapping/>
+  </p:clrMapOvr>
+</p:sld>
+</file>
+
+<file path=ppt/slides/slide9.xml><?xml version="1.0" encoding="utf-8"?>
+<p:sld xmlns:a="http://schemas.openxmlformats.org/drawingml/2006/main" xmlns:r="http://schemas.openxmlformats.org/officeDocument/2006/relationships" xmlns:p="http://schemas.openxmlformats.org/presentationml/2006/main">
+  <p:cSld>
+    <p:spTree>
+      <p:nvGrpSpPr>
+        <p:cNvPr id="1" name=""/>
+        <p:cNvGrpSpPr/>
+        <p:nvPr/>
+      </p:nvGrpSpPr>
+      <p:grpSpPr>
+        <a:xfrm>
+          <a:off x="0" y="0"/>
+          <a:ext cx="0" cy="0"/>
+          <a:chOff x="0" y="0"/>
+          <a:chExt cx="0" cy="0"/>
+        </a:xfrm>
+      </p:grpSpPr>
+      <p:sp>
+        <p:nvSpPr>
           <p:cNvPr id="4" name="TextBox 3">
             <a:extLst>
               <a:ext uri="{FF2B5EF4-FFF2-40B4-BE49-F238E27FC236}">
